--- a/doc/hbase进阶.pptx
+++ b/doc/hbase进阶.pptx
@@ -11,6 +11,12 @@
     <p:sldId id="259" r:id="rId6"/>
     <p:sldId id="260" r:id="rId7"/>
     <p:sldId id="261" r:id="rId8"/>
+    <p:sldId id="262" r:id="rId9"/>
+    <p:sldId id="263" r:id="rId10"/>
+    <p:sldId id="264" r:id="rId11"/>
+    <p:sldId id="265" r:id="rId12"/>
+    <p:sldId id="266" r:id="rId13"/>
+    <p:sldId id="267" r:id="rId14"/>
   </p:sldIdLst>
   <p:sldSz cx="12192000" cy="6858000"/>
   <p:notesSz cx="7103745" cy="10234295"/>
@@ -2360,7 +2366,7 @@
         <a:spcBef>
           <a:spcPts val="1000"/>
         </a:spcBef>
-        <a:buFont typeface="Arial" panose="020B0604020202090204" pitchFamily="34" charset="0"/>
+        <a:buFont typeface="Arial" panose="020B0604020202020204" pitchFamily="34" charset="0"/>
         <a:buChar char="•"/>
         <a:defRPr sz="2800" kern="1200">
           <a:solidFill>
@@ -2378,7 +2384,7 @@
         <a:spcBef>
           <a:spcPts val="500"/>
         </a:spcBef>
-        <a:buFont typeface="Arial" panose="020B0604020202090204" pitchFamily="34" charset="0"/>
+        <a:buFont typeface="Arial" panose="020B0604020202020204" pitchFamily="34" charset="0"/>
         <a:buChar char="•"/>
         <a:defRPr sz="2400" kern="1200">
           <a:solidFill>
@@ -2396,7 +2402,7 @@
         <a:spcBef>
           <a:spcPts val="500"/>
         </a:spcBef>
-        <a:buFont typeface="Arial" panose="020B0604020202090204" pitchFamily="34" charset="0"/>
+        <a:buFont typeface="Arial" panose="020B0604020202020204" pitchFamily="34" charset="0"/>
         <a:buChar char="•"/>
         <a:defRPr sz="2000" kern="1200">
           <a:solidFill>
@@ -2414,7 +2420,7 @@
         <a:spcBef>
           <a:spcPts val="500"/>
         </a:spcBef>
-        <a:buFont typeface="Arial" panose="020B0604020202090204" pitchFamily="34" charset="0"/>
+        <a:buFont typeface="Arial" panose="020B0604020202020204" pitchFamily="34" charset="0"/>
         <a:buChar char="•"/>
         <a:defRPr sz="1800" kern="1200">
           <a:solidFill>
@@ -2432,7 +2438,7 @@
         <a:spcBef>
           <a:spcPts val="500"/>
         </a:spcBef>
-        <a:buFont typeface="Arial" panose="020B0604020202090204" pitchFamily="34" charset="0"/>
+        <a:buFont typeface="Arial" panose="020B0604020202020204" pitchFamily="34" charset="0"/>
         <a:buChar char="•"/>
         <a:defRPr sz="1800" kern="1200">
           <a:solidFill>
@@ -2450,7 +2456,7 @@
         <a:spcBef>
           <a:spcPts val="500"/>
         </a:spcBef>
-        <a:buFont typeface="Arial" panose="020B0604020202090204" pitchFamily="34" charset="0"/>
+        <a:buFont typeface="Arial" panose="020B0604020202020204" pitchFamily="34" charset="0"/>
         <a:buChar char="•"/>
         <a:defRPr sz="1800" kern="1200">
           <a:solidFill>
@@ -2468,7 +2474,7 @@
         <a:spcBef>
           <a:spcPts val="500"/>
         </a:spcBef>
-        <a:buFont typeface="Arial" panose="020B0604020202090204" pitchFamily="34" charset="0"/>
+        <a:buFont typeface="Arial" panose="020B0604020202020204" pitchFamily="34" charset="0"/>
         <a:buChar char="•"/>
         <a:defRPr sz="1800" kern="1200">
           <a:solidFill>
@@ -2486,7 +2492,7 @@
         <a:spcBef>
           <a:spcPts val="500"/>
         </a:spcBef>
-        <a:buFont typeface="Arial" panose="020B0604020202090204" pitchFamily="34" charset="0"/>
+        <a:buFont typeface="Arial" panose="020B0604020202020204" pitchFamily="34" charset="0"/>
         <a:buChar char="•"/>
         <a:defRPr sz="1800" kern="1200">
           <a:solidFill>
@@ -2504,7 +2510,7 @@
         <a:spcBef>
           <a:spcPts val="500"/>
         </a:spcBef>
-        <a:buFont typeface="Arial" panose="020B0604020202090204" pitchFamily="34" charset="0"/>
+        <a:buFont typeface="Arial" panose="020B0604020202020204" pitchFamily="34" charset="0"/>
         <a:buChar char="•"/>
         <a:defRPr sz="1800" kern="1200">
           <a:solidFill>
@@ -2761,6 +2767,745 @@
 </p:sld>
 </file>
 
+<file path=ppt/slides/slide10.xml><?xml version="1.0" encoding="utf-8"?>
+<p:sld xmlns:a="http://schemas.openxmlformats.org/drawingml/2006/main" xmlns:r="http://schemas.openxmlformats.org/officeDocument/2006/relationships" xmlns:p="http://schemas.openxmlformats.org/presentationml/2006/main">
+  <p:cSld>
+    <p:spTree>
+      <p:nvGrpSpPr>
+        <p:cNvPr id="1" name=""/>
+        <p:cNvGrpSpPr/>
+        <p:nvPr/>
+      </p:nvGrpSpPr>
+      <p:grpSpPr/>
+      <p:sp>
+        <p:nvSpPr>
+          <p:cNvPr id="2" name="标题 1"/>
+          <p:cNvSpPr>
+            <a:spLocks noGrp="1"/>
+          </p:cNvSpPr>
+          <p:nvPr>
+            <p:ph type="title"/>
+          </p:nvPr>
+        </p:nvSpPr>
+        <p:spPr/>
+        <p:txBody>
+          <a:bodyPr/>
+          <a:p>
+            <a:r>
+              <a:rPr lang="zh-CN" altLang="en-US" sz="3600"/>
+              <a:t>常用表属性</a:t>
+            </a:r>
+            <a:endParaRPr lang="zh-CN" altLang="en-US" sz="3600"/>
+          </a:p>
+        </p:txBody>
+      </p:sp>
+      <p:sp>
+        <p:nvSpPr>
+          <p:cNvPr id="5" name="文本框 4"/>
+          <p:cNvSpPr txBox="1"/>
+          <p:nvPr/>
+        </p:nvSpPr>
+        <p:spPr>
+          <a:xfrm>
+            <a:off x="1974850" y="1941830"/>
+            <a:ext cx="8465185" cy="1476375"/>
+          </a:xfrm>
+          <a:prstGeom prst="rect">
+            <a:avLst/>
+          </a:prstGeom>
+          <a:noFill/>
+        </p:spPr>
+        <p:txBody>
+          <a:bodyPr wrap="square" rtlCol="0">
+            <a:spAutoFit/>
+          </a:bodyPr>
+          <a:p>
+            <a:pPr marL="285750" indent="-285750">
+              <a:buFont typeface="Arial" panose="020B0604020202020204" pitchFamily="34" charset="0"/>
+              <a:buChar char="•"/>
+            </a:pPr>
+            <a:r>
+              <a:rPr lang="en-US" altLang="zh-CN"/>
+              <a:t>READONLY</a:t>
+            </a:r>
+            <a:endParaRPr lang="en-US" altLang="zh-CN"/>
+          </a:p>
+          <a:p>
+            <a:pPr marL="742950" lvl="1" indent="-285750">
+              <a:buFont typeface="Arial" panose="020B0604020202020204" pitchFamily="34" charset="0"/>
+              <a:buChar char="•"/>
+            </a:pPr>
+            <a:r>
+              <a:rPr lang="zh-CN" altLang="en-US"/>
+              <a:t>表只读</a:t>
+            </a:r>
+            <a:endParaRPr lang="zh-CN" altLang="en-US"/>
+          </a:p>
+          <a:p>
+            <a:pPr marL="285750" lvl="0" indent="-285750">
+              <a:buFont typeface="Arial" panose="020B0604020202020204" pitchFamily="34" charset="0"/>
+              <a:buChar char="•"/>
+            </a:pPr>
+            <a:r>
+              <a:rPr lang="en-US" altLang="zh-CN"/>
+              <a:t>MEMSTORE_FLUSHSIZE</a:t>
+            </a:r>
+            <a:endParaRPr lang="en-US" altLang="zh-CN"/>
+          </a:p>
+          <a:p>
+            <a:pPr marL="285750" lvl="0" indent="-285750">
+              <a:buFont typeface="Arial" panose="020B0604020202020204" pitchFamily="34" charset="0"/>
+              <a:buChar char="•"/>
+            </a:pPr>
+            <a:r>
+              <a:rPr lang="en-US" altLang="zh-CN"/>
+              <a:t>MAX_FILESIZE</a:t>
+            </a:r>
+            <a:endParaRPr lang="en-US" altLang="zh-CN"/>
+          </a:p>
+          <a:p>
+            <a:pPr marL="285750" lvl="0" indent="-285750">
+              <a:buFont typeface="Arial" panose="020B0604020202020204" pitchFamily="34" charset="0"/>
+              <a:buChar char="•"/>
+            </a:pPr>
+            <a:r>
+              <a:rPr lang="en-US" altLang="zh-CN"/>
+              <a:t>DEFERRED_LOG_FLUSH	</a:t>
+            </a:r>
+            <a:endParaRPr lang="en-US" altLang="zh-CN"/>
+          </a:p>
+        </p:txBody>
+      </p:sp>
+    </p:spTree>
+  </p:cSld>
+  <p:clrMapOvr>
+    <a:masterClrMapping/>
+  </p:clrMapOvr>
+</p:sld>
+</file>
+
+<file path=ppt/slides/slide11.xml><?xml version="1.0" encoding="utf-8"?>
+<p:sld xmlns:a="http://schemas.openxmlformats.org/drawingml/2006/main" xmlns:r="http://schemas.openxmlformats.org/officeDocument/2006/relationships" xmlns:p="http://schemas.openxmlformats.org/presentationml/2006/main">
+  <p:cSld>
+    <p:spTree>
+      <p:nvGrpSpPr>
+        <p:cNvPr id="1" name=""/>
+        <p:cNvGrpSpPr/>
+        <p:nvPr/>
+      </p:nvGrpSpPr>
+      <p:grpSpPr/>
+      <p:sp>
+        <p:nvSpPr>
+          <p:cNvPr id="2" name="标题 1"/>
+          <p:cNvSpPr>
+            <a:spLocks noGrp="1"/>
+          </p:cNvSpPr>
+          <p:nvPr>
+            <p:ph type="title"/>
+          </p:nvPr>
+        </p:nvSpPr>
+        <p:spPr/>
+        <p:txBody>
+          <a:bodyPr/>
+          <a:p>
+            <a:r>
+              <a:rPr lang="zh-CN" altLang="en-US" sz="3600"/>
+              <a:t>常用列族属性</a:t>
+            </a:r>
+            <a:endParaRPr lang="zh-CN" altLang="en-US" sz="3600"/>
+          </a:p>
+        </p:txBody>
+      </p:sp>
+      <p:sp>
+        <p:nvSpPr>
+          <p:cNvPr id="5" name="文本框 4"/>
+          <p:cNvSpPr txBox="1"/>
+          <p:nvPr/>
+        </p:nvSpPr>
+        <p:spPr>
+          <a:xfrm>
+            <a:off x="960755" y="1477645"/>
+            <a:ext cx="8465185" cy="4923155"/>
+          </a:xfrm>
+          <a:prstGeom prst="rect">
+            <a:avLst/>
+          </a:prstGeom>
+          <a:noFill/>
+        </p:spPr>
+        <p:txBody>
+          <a:bodyPr wrap="square" rtlCol="0">
+            <a:spAutoFit/>
+          </a:bodyPr>
+          <a:p>
+            <a:pPr marL="285750" indent="-285750">
+              <a:buFont typeface="Arial" panose="020B0604020202020204" pitchFamily="34" charset="0"/>
+              <a:buChar char="•"/>
+            </a:pPr>
+            <a:r>
+              <a:rPr lang="zh-CN"/>
+              <a:t>每个属性都有默认值</a:t>
+            </a:r>
+            <a:endParaRPr lang="zh-CN"/>
+          </a:p>
+          <a:p>
+            <a:pPr indent="0">
+              <a:buNone/>
+            </a:pPr>
+            <a:r>
+              <a:rPr lang="zh-CN" sz="1000"/>
+              <a:t>hbase(main):039:0&gt; describe 'my_namespace:hbase_learn_call_datails'</a:t>
+            </a:r>
+            <a:endParaRPr lang="zh-CN" sz="1000"/>
+          </a:p>
+          <a:p>
+            <a:pPr indent="0">
+              <a:buNone/>
+            </a:pPr>
+            <a:r>
+              <a:rPr lang="zh-CN" sz="1000"/>
+              <a:t>Table my_namespace:hbase_learn_call_datails is ENABLED                                                                              </a:t>
+            </a:r>
+            <a:endParaRPr lang="zh-CN" sz="1000"/>
+          </a:p>
+          <a:p>
+            <a:pPr indent="0">
+              <a:buNone/>
+            </a:pPr>
+            <a:r>
+              <a:rPr lang="zh-CN" sz="1000"/>
+              <a:t>my_namespace:hbase_learn_call_datails                                                                                               </a:t>
+            </a:r>
+            <a:endParaRPr lang="zh-CN" sz="1000"/>
+          </a:p>
+          <a:p>
+            <a:pPr indent="0">
+              <a:buNone/>
+            </a:pPr>
+            <a:r>
+              <a:rPr lang="zh-CN" sz="1000"/>
+              <a:t>COLUMN FAMILIES DESCRIPTION                                                                                                         </a:t>
+            </a:r>
+            <a:endParaRPr lang="zh-CN" sz="1000"/>
+          </a:p>
+          <a:p>
+            <a:pPr indent="0">
+              <a:buNone/>
+            </a:pPr>
+            <a:r>
+              <a:rPr lang="zh-CN" sz="1000"/>
+              <a:t>{NAME =&gt; 'cf', BLOOMFILTER =&gt; 'ROW', VERSIONS =&gt; '1', IN_MEMORY =&gt; 'false', KEEP_DELETED_CELLS =&gt; 'FALSE', DATA_BLOCK_ENCODING =&gt; 'N</a:t>
+            </a:r>
+            <a:endParaRPr lang="zh-CN" sz="1000"/>
+          </a:p>
+          <a:p>
+            <a:pPr indent="0">
+              <a:buNone/>
+            </a:pPr>
+            <a:r>
+              <a:rPr lang="zh-CN" sz="1000"/>
+              <a:t>ONE', TTL =&gt; 'FOREVER', COMPRESSION =&gt; 'NONE', MIN_VERSIONS =&gt; '0', BLOCKCACHE =&gt; 'true', BLOCKSIZE =&gt; '65536', REPLICATION_SCOPE =&gt;</a:t>
+            </a:r>
+            <a:endParaRPr lang="zh-CN" sz="1000"/>
+          </a:p>
+          <a:p>
+            <a:pPr indent="0">
+              <a:buNone/>
+            </a:pPr>
+            <a:r>
+              <a:rPr lang="zh-CN" sz="1000"/>
+              <a:t> '0'}                                                                                                                               </a:t>
+            </a:r>
+            <a:endParaRPr lang="zh-CN" sz="1000"/>
+          </a:p>
+          <a:p>
+            <a:pPr indent="0">
+              <a:buNone/>
+            </a:pPr>
+            <a:r>
+              <a:rPr lang="zh-CN" sz="1000"/>
+              <a:t>1 row(s) in 0.0470 seconds</a:t>
+            </a:r>
+            <a:endParaRPr lang="zh-CN" sz="1000"/>
+          </a:p>
+          <a:p>
+            <a:pPr marL="285750" indent="-285750" algn="l">
+              <a:buClrTx/>
+              <a:buSzTx/>
+              <a:buFont typeface="Arial" panose="020B0604020202020204" pitchFamily="34" charset="0"/>
+            </a:pPr>
+            <a:r>
+              <a:rPr lang="en-US" altLang="zh-CN" sz="1800"/>
+              <a:t>DATA_BLOCK_ENCODING</a:t>
+            </a:r>
+            <a:endParaRPr lang="en-US" altLang="zh-CN" sz="1800"/>
+          </a:p>
+          <a:p>
+            <a:pPr marL="742950" lvl="1" indent="-285750" algn="l">
+              <a:buClrTx/>
+              <a:buSzTx/>
+              <a:buFont typeface="Arial" panose="020B0604020202020204" pitchFamily="34" charset="0"/>
+            </a:pPr>
+            <a:r>
+              <a:rPr lang="en-US" altLang="zh-CN" sz="1800"/>
+              <a:t>NODE</a:t>
+            </a:r>
+            <a:r>
+              <a:rPr lang="zh-CN" altLang="en-US" sz="1800"/>
+              <a:t>、</a:t>
+            </a:r>
+            <a:r>
+              <a:rPr lang="en-US" altLang="zh-CN" sz="1800"/>
+              <a:t>DIFF</a:t>
+            </a:r>
+            <a:r>
+              <a:rPr lang="zh-CN" altLang="en-US" sz="1800"/>
+              <a:t>、</a:t>
+            </a:r>
+            <a:r>
+              <a:rPr lang="en-US" altLang="zh-CN" sz="1800"/>
+              <a:t>FAST_DIFF</a:t>
+            </a:r>
+            <a:r>
+              <a:rPr lang="zh-CN" altLang="en-US" sz="1800"/>
+              <a:t>、</a:t>
+            </a:r>
+            <a:r>
+              <a:rPr lang="en-US" altLang="zh-CN" sz="1800"/>
+              <a:t>PREFIX_TREE</a:t>
+            </a:r>
+            <a:endParaRPr lang="en-US" altLang="zh-CN" sz="1800"/>
+          </a:p>
+          <a:p>
+            <a:pPr marL="742950" lvl="1" indent="-285750" algn="l">
+              <a:buClrTx/>
+              <a:buSzTx/>
+              <a:buFont typeface="Arial" panose="020B0604020202020204" pitchFamily="34" charset="0"/>
+            </a:pPr>
+            <a:r>
+              <a:rPr lang="zh-CN" altLang="en-US" sz="1800"/>
+              <a:t>搜索</a:t>
+            </a:r>
+            <a:r>
+              <a:rPr lang="en-US" altLang="zh-CN" sz="1800"/>
+              <a:t>“hbase DATA_BLOCK_ENCODING PREFIX_TREE”</a:t>
+            </a:r>
+            <a:endParaRPr lang="en-US" altLang="zh-CN" sz="1800"/>
+          </a:p>
+          <a:p>
+            <a:pPr marL="285750" lvl="0" indent="-285750" algn="l">
+              <a:buClrTx/>
+              <a:buSzTx/>
+              <a:buFont typeface="Arial" panose="020B0604020202020204" pitchFamily="34" charset="0"/>
+            </a:pPr>
+            <a:r>
+              <a:rPr lang="en-US" altLang="zh-CN" sz="1800"/>
+              <a:t>COMPRESSION</a:t>
+            </a:r>
+            <a:endParaRPr lang="en-US" altLang="zh-CN" sz="1800"/>
+          </a:p>
+          <a:p>
+            <a:pPr marL="742950" lvl="1" indent="-285750" algn="l">
+              <a:buClrTx/>
+              <a:buSzTx/>
+              <a:buFont typeface="Arial" panose="020B0604020202020204" pitchFamily="34" charset="0"/>
+            </a:pPr>
+            <a:r>
+              <a:rPr lang="en-US" altLang="zh-CN" sz="1800"/>
+              <a:t>NONE</a:t>
+            </a:r>
+            <a:r>
+              <a:rPr lang="zh-CN" altLang="en-US" sz="1800"/>
+              <a:t>、</a:t>
+            </a:r>
+            <a:r>
+              <a:rPr lang="en-US" altLang="zh-CN" sz="1800"/>
+              <a:t>LZO</a:t>
+            </a:r>
+            <a:r>
+              <a:rPr lang="zh-CN" altLang="en-US" sz="1800"/>
+              <a:t>、</a:t>
+            </a:r>
+            <a:r>
+              <a:rPr lang="en-US" altLang="zh-CN" sz="1800"/>
+              <a:t>GZ</a:t>
+            </a:r>
+            <a:r>
+              <a:rPr lang="zh-CN" altLang="en-US" sz="1800"/>
+              <a:t>、</a:t>
+            </a:r>
+            <a:r>
+              <a:rPr lang="en-US" altLang="zh-CN" sz="1800"/>
+              <a:t>SNAPPY</a:t>
+            </a:r>
+            <a:r>
+              <a:rPr lang="zh-CN" altLang="en-US" sz="1800"/>
+              <a:t>、</a:t>
+            </a:r>
+            <a:r>
+              <a:rPr lang="en-US" altLang="zh-CN" sz="1800"/>
+              <a:t>LZ4</a:t>
+            </a:r>
+            <a:endParaRPr lang="en-US" altLang="zh-CN" sz="1800"/>
+          </a:p>
+          <a:p>
+            <a:pPr marL="742950" lvl="1" indent="-285750" algn="l">
+              <a:buClrTx/>
+              <a:buSzTx/>
+              <a:buFont typeface="Arial" panose="020B0604020202020204" pitchFamily="34" charset="0"/>
+            </a:pPr>
+            <a:r>
+              <a:rPr lang="en-US" altLang="zh-CN" sz="1800"/>
+              <a:t>GZ: CPU</a:t>
+            </a:r>
+            <a:r>
+              <a:rPr lang="zh-CN" altLang="en-US" sz="1800"/>
+              <a:t>消耗少</a:t>
+            </a:r>
+            <a:endParaRPr lang="zh-CN" altLang="en-US" sz="1800"/>
+          </a:p>
+          <a:p>
+            <a:pPr marL="742950" lvl="1" indent="-285750" algn="l">
+              <a:buClrTx/>
+              <a:buSzTx/>
+              <a:buFont typeface="Arial" panose="020B0604020202020204" pitchFamily="34" charset="0"/>
+            </a:pPr>
+            <a:r>
+              <a:rPr lang="en-US" altLang="zh-CN" sz="1800"/>
+              <a:t>LZ4: </a:t>
+            </a:r>
+            <a:r>
+              <a:rPr lang="zh-CN" altLang="en-US" sz="1800"/>
+              <a:t>解压快，适应多线程</a:t>
+            </a:r>
+            <a:endParaRPr lang="zh-CN" altLang="en-US" sz="1800"/>
+          </a:p>
+          <a:p>
+            <a:pPr marL="742950" lvl="1" indent="-285750" algn="l">
+              <a:buClrTx/>
+              <a:buSzTx/>
+              <a:buFont typeface="Arial" panose="020B0604020202020204" pitchFamily="34" charset="0"/>
+            </a:pPr>
+            <a:r>
+              <a:rPr lang="en-US" altLang="zh-CN" sz="1800"/>
+              <a:t>http://code.google.com/p/lz4/</a:t>
+            </a:r>
+            <a:endParaRPr lang="en-US" altLang="zh-CN" sz="1800"/>
+          </a:p>
+          <a:p>
+            <a:pPr marL="742950" lvl="1" indent="-285750" algn="l">
+              <a:buClrTx/>
+              <a:buSzTx/>
+              <a:buFont typeface="Arial" panose="020B0604020202020204" pitchFamily="34" charset="0"/>
+            </a:pPr>
+            <a:r>
+              <a:rPr lang="en-US" altLang="zh-CN" sz="1800"/>
+              <a:t>SNAPPY</a:t>
+            </a:r>
+            <a:r>
+              <a:rPr lang="zh-CN" altLang="en-US" sz="1800"/>
+              <a:t>与</a:t>
+            </a:r>
+            <a:r>
+              <a:rPr lang="en-US" altLang="zh-CN" sz="1800"/>
+              <a:t>LZO: CPU</a:t>
+            </a:r>
+            <a:r>
+              <a:rPr lang="zh-CN" altLang="en-US" sz="1800"/>
+              <a:t>和</a:t>
+            </a:r>
+            <a:r>
+              <a:rPr lang="en-US" altLang="zh-CN" sz="1800"/>
+              <a:t>IO</a:t>
+            </a:r>
+            <a:r>
+              <a:rPr lang="zh-CN" altLang="en-US" sz="1800"/>
+              <a:t>较平衡，最常用</a:t>
+            </a:r>
+            <a:endParaRPr lang="zh-CN" altLang="en-US" sz="1800"/>
+          </a:p>
+          <a:p>
+            <a:pPr marL="285750" lvl="0" indent="-285750" algn="l">
+              <a:buClrTx/>
+              <a:buSzTx/>
+              <a:buFont typeface="Arial" panose="020B0604020202020204" pitchFamily="34" charset="0"/>
+              <a:buChar char="•"/>
+            </a:pPr>
+            <a:r>
+              <a:rPr lang="en-US" altLang="zh-CN" sz="1800"/>
+              <a:t>https://blogs.apache.org/hbase/date/201404</a:t>
+            </a:r>
+            <a:endParaRPr lang="en-US" altLang="zh-CN" sz="1800"/>
+          </a:p>
+          <a:p>
+            <a:pPr marL="742950" lvl="1" indent="-285750" algn="l">
+              <a:buClrTx/>
+              <a:buSzTx/>
+              <a:buFont typeface="Arial" panose="020B0604020202020204" pitchFamily="34" charset="0"/>
+              <a:buChar char="•"/>
+            </a:pPr>
+            <a:r>
+              <a:rPr lang="zh-CN" altLang="en-US" sz="1800"/>
+              <a:t>比较两者组合使用</a:t>
+            </a:r>
+            <a:endParaRPr lang="zh-CN" altLang="en-US" sz="1800"/>
+          </a:p>
+          <a:p>
+            <a:pPr marL="742950" lvl="1" indent="-285750" algn="l">
+              <a:buClrTx/>
+              <a:buSzTx/>
+              <a:buFont typeface="Arial" panose="020B0604020202020204" pitchFamily="34" charset="0"/>
+              <a:buChar char="•"/>
+            </a:pPr>
+            <a:r>
+              <a:rPr lang="zh-CN" altLang="en-US" sz="1800"/>
+              <a:t>搜索</a:t>
+            </a:r>
+            <a:r>
+              <a:rPr lang="en-US" altLang="zh-CN" sz="1800"/>
+              <a:t>“HBase</a:t>
+            </a:r>
+            <a:r>
+              <a:rPr lang="zh-CN" altLang="en-US" sz="1800"/>
+              <a:t>实战系列 压缩与编码技术</a:t>
+            </a:r>
+            <a:r>
+              <a:rPr lang="en-US" altLang="zh-CN" sz="1800"/>
+              <a:t>”</a:t>
+            </a:r>
+            <a:endParaRPr lang="en-US" altLang="zh-CN" sz="1800"/>
+          </a:p>
+        </p:txBody>
+      </p:sp>
+      <p:pic>
+        <p:nvPicPr>
+          <p:cNvPr id="3" name="图片 2"/>
+          <p:cNvPicPr>
+            <a:picLocks noChangeAspect="1"/>
+          </p:cNvPicPr>
+          <p:nvPr/>
+        </p:nvPicPr>
+        <p:blipFill>
+          <a:blip r:embed="rId1"/>
+          <a:stretch>
+            <a:fillRect/>
+          </a:stretch>
+        </p:blipFill>
+        <p:spPr>
+          <a:xfrm>
+            <a:off x="6894195" y="3707130"/>
+            <a:ext cx="4762500" cy="2933700"/>
+          </a:xfrm>
+          <a:prstGeom prst="rect">
+            <a:avLst/>
+          </a:prstGeom>
+        </p:spPr>
+      </p:pic>
+    </p:spTree>
+  </p:cSld>
+  <p:clrMapOvr>
+    <a:masterClrMapping/>
+  </p:clrMapOvr>
+</p:sld>
+</file>
+
+<file path=ppt/slides/slide12.xml><?xml version="1.0" encoding="utf-8"?>
+<p:sld xmlns:a="http://schemas.openxmlformats.org/drawingml/2006/main" xmlns:r="http://schemas.openxmlformats.org/officeDocument/2006/relationships" xmlns:p="http://schemas.openxmlformats.org/presentationml/2006/main">
+  <p:cSld>
+    <p:spTree>
+      <p:nvGrpSpPr>
+        <p:cNvPr id="1" name=""/>
+        <p:cNvGrpSpPr/>
+        <p:nvPr/>
+      </p:nvGrpSpPr>
+      <p:grpSpPr/>
+      <p:sp>
+        <p:nvSpPr>
+          <p:cNvPr id="2" name="标题 1"/>
+          <p:cNvSpPr>
+            <a:spLocks noGrp="1"/>
+          </p:cNvSpPr>
+          <p:nvPr>
+            <p:ph type="title"/>
+          </p:nvPr>
+        </p:nvSpPr>
+        <p:spPr/>
+        <p:txBody>
+          <a:bodyPr/>
+          <a:p>
+            <a:r>
+              <a:rPr lang="zh-CN" altLang="en-US" sz="3600"/>
+              <a:t>常用列族属性</a:t>
+            </a:r>
+            <a:endParaRPr lang="zh-CN" altLang="en-US" sz="3600"/>
+          </a:p>
+        </p:txBody>
+      </p:sp>
+      <p:sp>
+        <p:nvSpPr>
+          <p:cNvPr id="5" name="文本框 4"/>
+          <p:cNvSpPr txBox="1"/>
+          <p:nvPr/>
+        </p:nvSpPr>
+        <p:spPr>
+          <a:xfrm>
+            <a:off x="1106805" y="2680335"/>
+            <a:ext cx="8465185" cy="2306955"/>
+          </a:xfrm>
+          <a:prstGeom prst="rect">
+            <a:avLst/>
+          </a:prstGeom>
+          <a:noFill/>
+        </p:spPr>
+        <p:txBody>
+          <a:bodyPr wrap="square" rtlCol="0">
+            <a:spAutoFit/>
+          </a:bodyPr>
+          <a:p>
+            <a:pPr marL="285750" indent="-285750" algn="l">
+              <a:buClrTx/>
+              <a:buSzTx/>
+              <a:buFont typeface="Arial" panose="020B0604020202020204" pitchFamily="34" charset="0"/>
+              <a:buChar char="•"/>
+            </a:pPr>
+            <a:r>
+              <a:rPr lang="en-US" altLang="zh-CN" sz="1800"/>
+              <a:t>BLOOMFILTER</a:t>
+            </a:r>
+            <a:endParaRPr lang="en-US" altLang="zh-CN" sz="1800"/>
+          </a:p>
+          <a:p>
+            <a:pPr marL="742950" lvl="1" indent="-285750" algn="l">
+              <a:buClrTx/>
+              <a:buSzTx/>
+              <a:buFont typeface="Arial" panose="020B0604020202020204" pitchFamily="34" charset="0"/>
+              <a:buChar char="•"/>
+            </a:pPr>
+            <a:r>
+              <a:rPr lang="en-US" altLang="zh-CN" sz="1800"/>
+              <a:t>NONE</a:t>
+            </a:r>
+            <a:r>
+              <a:rPr lang="zh-CN" altLang="en-US" sz="1800"/>
+              <a:t>、</a:t>
+            </a:r>
+            <a:r>
+              <a:rPr lang="en-US" altLang="zh-CN" sz="1800"/>
+              <a:t>ROW</a:t>
+            </a:r>
+            <a:r>
+              <a:rPr lang="zh-CN" altLang="en-US" sz="1800"/>
+              <a:t>、</a:t>
+            </a:r>
+            <a:r>
+              <a:rPr lang="en-US" altLang="zh-CN" sz="1800"/>
+              <a:t>ROWCOL</a:t>
+            </a:r>
+            <a:endParaRPr lang="en-US" altLang="zh-CN" sz="1800"/>
+          </a:p>
+          <a:p>
+            <a:pPr marL="285750" lvl="0" indent="-285750" algn="l">
+              <a:buClrTx/>
+              <a:buSzTx/>
+              <a:buFont typeface="Arial" panose="020B0604020202020204" pitchFamily="34" charset="0"/>
+              <a:buChar char="•"/>
+            </a:pPr>
+            <a:r>
+              <a:rPr lang="en-US" altLang="zh-CN" sz="1800"/>
+              <a:t>REPLICATION_SCOPE</a:t>
+            </a:r>
+            <a:endParaRPr lang="en-US" altLang="zh-CN" sz="1800"/>
+          </a:p>
+          <a:p>
+            <a:pPr marL="285750" lvl="0" indent="-285750" algn="l">
+              <a:buClrTx/>
+              <a:buSzTx/>
+              <a:buFont typeface="Arial" panose="020B0604020202020204" pitchFamily="34" charset="0"/>
+              <a:buChar char="•"/>
+            </a:pPr>
+            <a:r>
+              <a:rPr lang="en-US" altLang="zh-CN" sz="1800"/>
+              <a:t>VERSIONS</a:t>
+            </a:r>
+            <a:endParaRPr lang="en-US" altLang="zh-CN" sz="1800"/>
+          </a:p>
+          <a:p>
+            <a:pPr marL="285750" lvl="0" indent="-285750" algn="l">
+              <a:buClrTx/>
+              <a:buSzTx/>
+              <a:buFont typeface="Arial" panose="020B0604020202020204" pitchFamily="34" charset="0"/>
+              <a:buChar char="•"/>
+            </a:pPr>
+            <a:r>
+              <a:rPr lang="en-US" altLang="zh-CN" sz="1800"/>
+              <a:t>TTL</a:t>
+            </a:r>
+            <a:r>
+              <a:rPr lang="zh-CN" altLang="en-US" sz="1800"/>
+              <a:t>与</a:t>
+            </a:r>
+            <a:r>
+              <a:rPr lang="en-US" altLang="zh-CN" sz="1800"/>
+              <a:t>MIN_VERSIONS</a:t>
+            </a:r>
+            <a:endParaRPr lang="en-US" altLang="zh-CN" sz="1800"/>
+          </a:p>
+          <a:p>
+            <a:pPr marL="285750" lvl="0" indent="-285750" algn="l">
+              <a:buClrTx/>
+              <a:buSzTx/>
+              <a:buFont typeface="Arial" panose="020B0604020202020204" pitchFamily="34" charset="0"/>
+              <a:buChar char="•"/>
+            </a:pPr>
+            <a:r>
+              <a:rPr lang="en-US" altLang="zh-CN" sz="1800"/>
+              <a:t>KEEP_KELETED_CELLS</a:t>
+            </a:r>
+            <a:endParaRPr lang="en-US" altLang="zh-CN" sz="1800"/>
+          </a:p>
+          <a:p>
+            <a:pPr marL="285750" lvl="0" indent="-285750" algn="l">
+              <a:buClrTx/>
+              <a:buSzTx/>
+              <a:buFont typeface="Arial" panose="020B0604020202020204" pitchFamily="34" charset="0"/>
+              <a:buChar char="•"/>
+            </a:pPr>
+            <a:r>
+              <a:rPr lang="en-US" altLang="zh-CN" sz="1800"/>
+              <a:t>BLOCKSIZE</a:t>
+            </a:r>
+            <a:endParaRPr lang="en-US" altLang="zh-CN" sz="1800"/>
+          </a:p>
+          <a:p>
+            <a:pPr marL="285750" lvl="0" indent="-285750" algn="l">
+              <a:buClrTx/>
+              <a:buSzTx/>
+              <a:buFont typeface="Arial" panose="020B0604020202020204" pitchFamily="34" charset="0"/>
+              <a:buChar char="•"/>
+            </a:pPr>
+            <a:r>
+              <a:rPr lang="en-US" altLang="zh-CN" sz="1800"/>
+              <a:t>BLOCKCACHE</a:t>
+            </a:r>
+            <a:r>
+              <a:rPr lang="zh-CN" altLang="en-US" sz="1800"/>
+              <a:t>与</a:t>
+            </a:r>
+            <a:r>
+              <a:rPr lang="en-US" altLang="zh-CN" sz="1800"/>
+              <a:t>IN_MEMORY</a:t>
+            </a:r>
+            <a:endParaRPr lang="en-US" altLang="zh-CN" sz="1800"/>
+          </a:p>
+        </p:txBody>
+      </p:sp>
+    </p:spTree>
+  </p:cSld>
+  <p:clrMapOvr>
+    <a:masterClrMapping/>
+  </p:clrMapOvr>
+</p:sld>
+</file>
+
 <file path=ppt/slides/slide2.xml><?xml version="1.0" encoding="utf-8"?>
 <p:sld xmlns:a="http://schemas.openxmlformats.org/drawingml/2006/main" xmlns:r="http://schemas.openxmlformats.org/officeDocument/2006/relationships" xmlns:p="http://schemas.openxmlformats.org/presentationml/2006/main">
   <p:cSld>
@@ -3508,6 +4253,473 @@
             <a:r>
               <a:rPr lang="en-US" altLang="zh-CN"/>
               <a:t>Map&lt;row_key + family + column + timestamp, value&gt;</a:t>
+            </a:r>
+            <a:endParaRPr lang="en-US" altLang="zh-CN"/>
+          </a:p>
+        </p:txBody>
+      </p:sp>
+    </p:spTree>
+  </p:cSld>
+  <p:clrMapOvr>
+    <a:masterClrMapping/>
+  </p:clrMapOvr>
+</p:sld>
+</file>
+
+<file path=ppt/slides/slide7.xml><?xml version="1.0" encoding="utf-8"?>
+<p:sld xmlns:a="http://schemas.openxmlformats.org/drawingml/2006/main" xmlns:r="http://schemas.openxmlformats.org/officeDocument/2006/relationships" xmlns:p="http://schemas.openxmlformats.org/presentationml/2006/main">
+  <p:cSld>
+    <p:spTree>
+      <p:nvGrpSpPr>
+        <p:cNvPr id="1" name=""/>
+        <p:cNvGrpSpPr/>
+        <p:nvPr/>
+      </p:nvGrpSpPr>
+      <p:grpSpPr/>
+      <p:sp>
+        <p:nvSpPr>
+          <p:cNvPr id="2" name="标题 1"/>
+          <p:cNvSpPr>
+            <a:spLocks noGrp="1"/>
+          </p:cNvSpPr>
+          <p:nvPr>
+            <p:ph type="title"/>
+          </p:nvPr>
+        </p:nvSpPr>
+        <p:spPr/>
+        <p:txBody>
+          <a:bodyPr/>
+          <a:p>
+            <a:r>
+              <a:rPr lang="zh-CN" sz="3600"/>
+              <a:t>操作数据之前</a:t>
+            </a:r>
+            <a:endParaRPr lang="zh-CN" sz="3600"/>
+          </a:p>
+        </p:txBody>
+      </p:sp>
+      <p:sp>
+        <p:nvSpPr>
+          <p:cNvPr id="5" name="文本框 4"/>
+          <p:cNvSpPr txBox="1"/>
+          <p:nvPr/>
+        </p:nvSpPr>
+        <p:spPr>
+          <a:xfrm>
+            <a:off x="1974850" y="1941830"/>
+            <a:ext cx="8465185" cy="368300"/>
+          </a:xfrm>
+          <a:prstGeom prst="rect">
+            <a:avLst/>
+          </a:prstGeom>
+          <a:noFill/>
+        </p:spPr>
+        <p:txBody>
+          <a:bodyPr wrap="square" rtlCol="0">
+            <a:spAutoFit/>
+          </a:bodyPr>
+          <a:p>
+            <a:r>
+              <a:rPr lang="zh-CN" altLang="en-US"/>
+              <a:t>基于</a:t>
+            </a:r>
+            <a:r>
+              <a:rPr lang="en-US" altLang="zh-CN"/>
+              <a:t>HBase shell</a:t>
+            </a:r>
+            <a:r>
+              <a:rPr lang="zh-CN" altLang="en-US"/>
+              <a:t>的</a:t>
+            </a:r>
+            <a:r>
+              <a:rPr lang="en-US" altLang="zh-CN"/>
+              <a:t>DDL</a:t>
+            </a:r>
+            <a:r>
+              <a:rPr lang="zh-CN" altLang="en-US"/>
+              <a:t>操作</a:t>
+            </a:r>
+            <a:endParaRPr lang="zh-CN" altLang="en-US"/>
+          </a:p>
+        </p:txBody>
+      </p:sp>
+    </p:spTree>
+  </p:cSld>
+  <p:clrMapOvr>
+    <a:masterClrMapping/>
+  </p:clrMapOvr>
+</p:sld>
+</file>
+
+<file path=ppt/slides/slide8.xml><?xml version="1.0" encoding="utf-8"?>
+<p:sld xmlns:a="http://schemas.openxmlformats.org/drawingml/2006/main" xmlns:r="http://schemas.openxmlformats.org/officeDocument/2006/relationships" xmlns:p="http://schemas.openxmlformats.org/presentationml/2006/main">
+  <p:cSld>
+    <p:spTree>
+      <p:nvGrpSpPr>
+        <p:cNvPr id="1" name=""/>
+        <p:cNvGrpSpPr/>
+        <p:nvPr/>
+      </p:nvGrpSpPr>
+      <p:grpSpPr/>
+      <p:sp>
+        <p:nvSpPr>
+          <p:cNvPr id="2" name="标题 1"/>
+          <p:cNvSpPr>
+            <a:spLocks noGrp="1"/>
+          </p:cNvSpPr>
+          <p:nvPr>
+            <p:ph type="title"/>
+          </p:nvPr>
+        </p:nvSpPr>
+        <p:spPr/>
+        <p:txBody>
+          <a:bodyPr/>
+          <a:p>
+            <a:r>
+              <a:rPr lang="en-US" altLang="zh-CN" sz="3600"/>
+              <a:t>hbase shell</a:t>
+            </a:r>
+            <a:endParaRPr lang="en-US" altLang="zh-CN" sz="3600"/>
+          </a:p>
+        </p:txBody>
+      </p:sp>
+      <p:sp>
+        <p:nvSpPr>
+          <p:cNvPr id="5" name="文本框 4"/>
+          <p:cNvSpPr txBox="1"/>
+          <p:nvPr/>
+        </p:nvSpPr>
+        <p:spPr>
+          <a:xfrm>
+            <a:off x="1974850" y="1941830"/>
+            <a:ext cx="8465185" cy="3692525"/>
+          </a:xfrm>
+          <a:prstGeom prst="rect">
+            <a:avLst/>
+          </a:prstGeom>
+          <a:noFill/>
+        </p:spPr>
+        <p:txBody>
+          <a:bodyPr wrap="square" rtlCol="0">
+            <a:spAutoFit/>
+          </a:bodyPr>
+          <a:p>
+            <a:r>
+              <a:rPr lang="zh-CN" altLang="en-US"/>
+              <a:t>基于</a:t>
+            </a:r>
+            <a:r>
+              <a:rPr lang="en-US" altLang="zh-CN"/>
+              <a:t>jruby</a:t>
+            </a:r>
+            <a:endParaRPr lang="en-US" altLang="zh-CN"/>
+          </a:p>
+          <a:p>
+            <a:r>
+              <a:rPr lang="en-US" altLang="zh-CN"/>
+              <a:t>http://abloz.com/hbase/bool.html#shell</a:t>
+            </a:r>
+            <a:endParaRPr lang="en-US" altLang="zh-CN"/>
+          </a:p>
+          <a:p>
+            <a:r>
+              <a:rPr lang="zh-CN" altLang="en-US"/>
+              <a:t>包含常用工具</a:t>
+            </a:r>
+            <a:endParaRPr lang="zh-CN" altLang="en-US"/>
+          </a:p>
+          <a:p>
+            <a:r>
+              <a:rPr lang="en-US" altLang="zh-CN"/>
+              <a:t>	-</a:t>
+            </a:r>
+            <a:r>
+              <a:rPr lang="zh-CN" altLang="en-US"/>
+              <a:t>状态查询（</a:t>
+            </a:r>
+            <a:r>
+              <a:rPr lang="en-US" altLang="zh-CN"/>
+              <a:t>general</a:t>
+            </a:r>
+            <a:r>
+              <a:rPr lang="zh-CN" altLang="en-US"/>
+              <a:t>）</a:t>
+            </a:r>
+            <a:endParaRPr lang="zh-CN" altLang="en-US"/>
+          </a:p>
+          <a:p>
+            <a:r>
+              <a:rPr lang="en-US" altLang="zh-CN"/>
+              <a:t>	-ddl</a:t>
+            </a:r>
+            <a:r>
+              <a:rPr lang="zh-CN" altLang="en-US"/>
+              <a:t>、</a:t>
+            </a:r>
+            <a:r>
+              <a:rPr lang="en-US" altLang="zh-CN"/>
+              <a:t>dml</a:t>
+            </a:r>
+            <a:endParaRPr lang="en-US" altLang="zh-CN"/>
+          </a:p>
+          <a:p>
+            <a:r>
+              <a:rPr lang="en-US" altLang="zh-CN"/>
+              <a:t>	-</a:t>
+            </a:r>
+            <a:r>
+              <a:rPr lang="zh-CN" altLang="en-US"/>
+              <a:t>集群工具（</a:t>
+            </a:r>
+            <a:r>
+              <a:rPr lang="en-US" altLang="zh-CN"/>
+              <a:t>tools</a:t>
+            </a:r>
+            <a:r>
+              <a:rPr lang="zh-CN" altLang="en-US"/>
+              <a:t>）</a:t>
+            </a:r>
+            <a:endParaRPr lang="zh-CN" altLang="en-US"/>
+          </a:p>
+          <a:p>
+            <a:r>
+              <a:rPr lang="en-US" altLang="zh-CN"/>
+              <a:t>	-replication</a:t>
+            </a:r>
+            <a:endParaRPr lang="en-US" altLang="zh-CN"/>
+          </a:p>
+          <a:p>
+            <a:r>
+              <a:rPr lang="en-US" altLang="zh-CN"/>
+              <a:t>	-</a:t>
+            </a:r>
+            <a:r>
+              <a:rPr lang="zh-CN" altLang="en-US"/>
+              <a:t>快照（</a:t>
+            </a:r>
+            <a:r>
+              <a:rPr lang="en-US" altLang="zh-CN"/>
+              <a:t>snapshot</a:t>
+            </a:r>
+            <a:r>
+              <a:rPr lang="zh-CN" altLang="en-US"/>
+              <a:t>）</a:t>
+            </a:r>
+            <a:endParaRPr lang="zh-CN" altLang="en-US"/>
+          </a:p>
+          <a:p>
+            <a:r>
+              <a:rPr lang="en-US" altLang="zh-CN"/>
+              <a:t>	-namespace</a:t>
+            </a:r>
+            <a:endParaRPr lang="en-US" altLang="zh-CN"/>
+          </a:p>
+          <a:p>
+            <a:r>
+              <a:rPr lang="zh-CN" altLang="en-US"/>
+              <a:t>开启相应功能后才能使用的工具</a:t>
+            </a:r>
+            <a:endParaRPr lang="zh-CN" altLang="en-US"/>
+          </a:p>
+          <a:p>
+            <a:r>
+              <a:rPr lang="en-US" altLang="zh-CN"/>
+              <a:t>	-</a:t>
+            </a:r>
+            <a:r>
+              <a:rPr lang="zh-CN" altLang="en-US"/>
+              <a:t>权限控制（</a:t>
+            </a:r>
+            <a:r>
+              <a:rPr lang="en-US" altLang="zh-CN"/>
+              <a:t>security</a:t>
+            </a:r>
+            <a:r>
+              <a:rPr lang="zh-CN" altLang="en-US"/>
+              <a:t>）</a:t>
+            </a:r>
+            <a:endParaRPr lang="zh-CN" altLang="en-US"/>
+          </a:p>
+          <a:p>
+            <a:r>
+              <a:rPr lang="en-US" altLang="zh-CN"/>
+              <a:t>	-</a:t>
+            </a:r>
+            <a:r>
+              <a:rPr lang="zh-CN" altLang="en-US"/>
+              <a:t>身份标签（</a:t>
+            </a:r>
+            <a:r>
+              <a:rPr lang="en-US" altLang="zh-CN"/>
+              <a:t>visibility labels</a:t>
+            </a:r>
+            <a:r>
+              <a:rPr lang="zh-CN" altLang="en-US"/>
+              <a:t>）</a:t>
+            </a:r>
+            <a:endParaRPr lang="zh-CN" altLang="en-US"/>
+          </a:p>
+          <a:p>
+            <a:r>
+              <a:rPr lang="en-US" altLang="zh-CN"/>
+              <a:t>		.</a:t>
+            </a:r>
+            <a:r>
+              <a:rPr lang="zh-CN" altLang="en-US"/>
+              <a:t>粒度更小的访问控制</a:t>
+            </a:r>
+            <a:endParaRPr lang="zh-CN" altLang="en-US"/>
+          </a:p>
+        </p:txBody>
+      </p:sp>
+    </p:spTree>
+  </p:cSld>
+  <p:clrMapOvr>
+    <a:masterClrMapping/>
+  </p:clrMapOvr>
+</p:sld>
+</file>
+
+<file path=ppt/slides/slide9.xml><?xml version="1.0" encoding="utf-8"?>
+<p:sld xmlns:a="http://schemas.openxmlformats.org/drawingml/2006/main" xmlns:r="http://schemas.openxmlformats.org/officeDocument/2006/relationships" xmlns:p="http://schemas.openxmlformats.org/presentationml/2006/main">
+  <p:cSld>
+    <p:spTree>
+      <p:nvGrpSpPr>
+        <p:cNvPr id="1" name=""/>
+        <p:cNvGrpSpPr/>
+        <p:nvPr/>
+      </p:nvGrpSpPr>
+      <p:grpSpPr/>
+      <p:sp>
+        <p:nvSpPr>
+          <p:cNvPr id="2" name="标题 1"/>
+          <p:cNvSpPr>
+            <a:spLocks noGrp="1"/>
+          </p:cNvSpPr>
+          <p:nvPr>
+            <p:ph type="title"/>
+          </p:nvPr>
+        </p:nvSpPr>
+        <p:spPr/>
+        <p:txBody>
+          <a:bodyPr/>
+          <a:p>
+            <a:r>
+              <a:rPr lang="en-US" altLang="zh-CN" sz="3600"/>
+              <a:t>hbase shell</a:t>
+            </a:r>
+            <a:endParaRPr lang="en-US" altLang="zh-CN" sz="3600"/>
+          </a:p>
+        </p:txBody>
+      </p:sp>
+      <p:sp>
+        <p:nvSpPr>
+          <p:cNvPr id="5" name="文本框 4"/>
+          <p:cNvSpPr txBox="1"/>
+          <p:nvPr/>
+        </p:nvSpPr>
+        <p:spPr>
+          <a:xfrm>
+            <a:off x="1974850" y="1941830"/>
+            <a:ext cx="8465185" cy="1476375"/>
+          </a:xfrm>
+          <a:prstGeom prst="rect">
+            <a:avLst/>
+          </a:prstGeom>
+          <a:noFill/>
+        </p:spPr>
+        <p:txBody>
+          <a:bodyPr wrap="square" rtlCol="0">
+            <a:spAutoFit/>
+          </a:bodyPr>
+          <a:p>
+            <a:r>
+              <a:rPr lang="zh-CN" altLang="en-US"/>
+              <a:t>神</a:t>
+            </a:r>
+            <a:r>
+              <a:rPr lang="en-US" altLang="zh-CN"/>
+              <a:t>help</a:t>
+            </a:r>
+            <a:endParaRPr lang="en-US" altLang="zh-CN"/>
+          </a:p>
+          <a:p>
+            <a:pPr marL="1200150" lvl="2" indent="-285750">
+              <a:buFont typeface="Arial" panose="020B0604020202020204" pitchFamily="34" charset="0"/>
+              <a:buChar char="•"/>
+            </a:pPr>
+            <a:r>
+              <a:rPr lang="en-US" altLang="zh-CN"/>
+              <a:t>help: </a:t>
+            </a:r>
+            <a:r>
+              <a:rPr lang="zh-CN" altLang="en-US"/>
+              <a:t>列出所有命令</a:t>
+            </a:r>
+            <a:endParaRPr lang="zh-CN" altLang="en-US"/>
+          </a:p>
+          <a:p>
+            <a:pPr marL="1200150" lvl="2" indent="-285750">
+              <a:buFont typeface="Arial" panose="020B0604020202020204" pitchFamily="34" charset="0"/>
+              <a:buChar char="•"/>
+            </a:pPr>
+            <a:r>
+              <a:rPr lang="en-US" altLang="zh-CN"/>
+              <a:t>help '</a:t>
+            </a:r>
+            <a:r>
+              <a:rPr lang="zh-CN" altLang="en-US"/>
+              <a:t>分组名</a:t>
+            </a:r>
+            <a:r>
+              <a:rPr lang="en-US" altLang="zh-CN"/>
+              <a:t>' </a:t>
+            </a:r>
+            <a:r>
+              <a:rPr lang="zh-CN" altLang="en-US"/>
+              <a:t>列出分组命令详细用法</a:t>
+            </a:r>
+            <a:endParaRPr lang="zh-CN" altLang="en-US"/>
+          </a:p>
+          <a:p>
+            <a:pPr marL="1200150" lvl="2" indent="-285750">
+              <a:buFont typeface="Arial" panose="020B0604020202020204" pitchFamily="34" charset="0"/>
+              <a:buChar char="•"/>
+            </a:pPr>
+            <a:r>
+              <a:rPr lang="en-US" altLang="zh-CN"/>
+              <a:t>help '</a:t>
+            </a:r>
+            <a:r>
+              <a:rPr lang="zh-CN" altLang="en-US"/>
+              <a:t>命令名</a:t>
+            </a:r>
+            <a:r>
+              <a:rPr lang="en-US" altLang="zh-CN"/>
+              <a:t>' </a:t>
+            </a:r>
+            <a:r>
+              <a:rPr lang="zh-CN" altLang="en-US"/>
+              <a:t>列出命令详细用法</a:t>
+            </a:r>
+            <a:endParaRPr lang="zh-CN" altLang="en-US"/>
+          </a:p>
+          <a:p>
+            <a:pPr marL="1200150" lvl="2" indent="-285750">
+              <a:buFont typeface="Arial" panose="020B0604020202020204" pitchFamily="34" charset="0"/>
+              <a:buChar char="•"/>
+            </a:pPr>
+            <a:r>
+              <a:rPr lang="en-US" altLang="zh-CN"/>
+              <a:t>ddl</a:t>
+            </a:r>
+            <a:r>
+              <a:rPr lang="zh-CN" altLang="en-US"/>
+              <a:t>缺少细节</a:t>
+            </a:r>
+            <a:r>
+              <a:rPr lang="en-US" altLang="zh-CN"/>
+              <a:t>	</a:t>
             </a:r>
             <a:endParaRPr lang="en-US" altLang="zh-CN"/>
           </a:p>
